--- a/修論/本文0105/figure/fig_3_1_10QW_broadcontact_id.pptx
+++ b/修論/本文0105/figure/fig_3_1_10QW_broadcontact_id.pptx
@@ -270,7 +270,7 @@
           <a:p>
             <a:fld id="{7B2C231C-A4B7-694E-AAA8-A398016C186A}" type="datetimeFigureOut">
               <a:rPr kumimoji="1" lang="ja-JP" altLang="en-US" smtClean="0"/>
-              <a:t>2018/12/18</a:t>
+              <a:t>2019/1/10</a:t>
             </a:fld>
             <a:endParaRPr kumimoji="1" lang="ja-JP" altLang="en-US"/>
           </a:p>
@@ -475,7 +475,7 @@
           <a:p>
             <a:fld id="{7B2C231C-A4B7-694E-AAA8-A398016C186A}" type="datetimeFigureOut">
               <a:rPr kumimoji="1" lang="ja-JP" altLang="en-US" smtClean="0"/>
-              <a:t>2018/12/18</a:t>
+              <a:t>2019/1/10</a:t>
             </a:fld>
             <a:endParaRPr kumimoji="1" lang="ja-JP" altLang="en-US"/>
           </a:p>
@@ -690,7 +690,7 @@
           <a:p>
             <a:fld id="{7B2C231C-A4B7-694E-AAA8-A398016C186A}" type="datetimeFigureOut">
               <a:rPr kumimoji="1" lang="ja-JP" altLang="en-US" smtClean="0"/>
-              <a:t>2018/12/18</a:t>
+              <a:t>2019/1/10</a:t>
             </a:fld>
             <a:endParaRPr kumimoji="1" lang="ja-JP" altLang="en-US"/>
           </a:p>
@@ -895,7 +895,7 @@
           <a:p>
             <a:fld id="{7B2C231C-A4B7-694E-AAA8-A398016C186A}" type="datetimeFigureOut">
               <a:rPr kumimoji="1" lang="ja-JP" altLang="en-US" smtClean="0"/>
-              <a:t>2018/12/18</a:t>
+              <a:t>2019/1/10</a:t>
             </a:fld>
             <a:endParaRPr kumimoji="1" lang="ja-JP" altLang="en-US"/>
           </a:p>
@@ -1205,7 +1205,7 @@
           <a:p>
             <a:fld id="{7B2C231C-A4B7-694E-AAA8-A398016C186A}" type="datetimeFigureOut">
               <a:rPr kumimoji="1" lang="ja-JP" altLang="en-US" smtClean="0"/>
-              <a:t>2018/12/18</a:t>
+              <a:t>2019/1/10</a:t>
             </a:fld>
             <a:endParaRPr kumimoji="1" lang="ja-JP" altLang="en-US"/>
           </a:p>
@@ -1484,7 +1484,7 @@
           <a:p>
             <a:fld id="{7B2C231C-A4B7-694E-AAA8-A398016C186A}" type="datetimeFigureOut">
               <a:rPr kumimoji="1" lang="ja-JP" altLang="en-US" smtClean="0"/>
-              <a:t>2018/12/18</a:t>
+              <a:t>2019/1/10</a:t>
             </a:fld>
             <a:endParaRPr kumimoji="1" lang="ja-JP" altLang="en-US"/>
           </a:p>
@@ -1980,7 +1980,7 @@
           <a:p>
             <a:fld id="{7B2C231C-A4B7-694E-AAA8-A398016C186A}" type="datetimeFigureOut">
               <a:rPr kumimoji="1" lang="ja-JP" altLang="en-US" smtClean="0"/>
-              <a:t>2018/12/18</a:t>
+              <a:t>2019/1/10</a:t>
             </a:fld>
             <a:endParaRPr kumimoji="1" lang="ja-JP" altLang="en-US"/>
           </a:p>
@@ -2121,7 +2121,7 @@
           <a:p>
             <a:fld id="{7B2C231C-A4B7-694E-AAA8-A398016C186A}" type="datetimeFigureOut">
               <a:rPr kumimoji="1" lang="ja-JP" altLang="en-US" smtClean="0"/>
-              <a:t>2018/12/18</a:t>
+              <a:t>2019/1/10</a:t>
             </a:fld>
             <a:endParaRPr kumimoji="1" lang="ja-JP" altLang="en-US"/>
           </a:p>
@@ -2234,7 +2234,7 @@
           <a:p>
             <a:fld id="{7B2C231C-A4B7-694E-AAA8-A398016C186A}" type="datetimeFigureOut">
               <a:rPr kumimoji="1" lang="ja-JP" altLang="en-US" smtClean="0"/>
-              <a:t>2018/12/18</a:t>
+              <a:t>2019/1/10</a:t>
             </a:fld>
             <a:endParaRPr kumimoji="1" lang="ja-JP" altLang="en-US"/>
           </a:p>
@@ -2587,7 +2587,7 @@
           <a:p>
             <a:fld id="{7B2C231C-A4B7-694E-AAA8-A398016C186A}" type="datetimeFigureOut">
               <a:rPr kumimoji="1" lang="ja-JP" altLang="en-US" smtClean="0"/>
-              <a:t>2018/12/18</a:t>
+              <a:t>2019/1/10</a:t>
             </a:fld>
             <a:endParaRPr kumimoji="1" lang="ja-JP" altLang="en-US"/>
           </a:p>
@@ -2910,7 +2910,7 @@
           <a:p>
             <a:fld id="{7B2C231C-A4B7-694E-AAA8-A398016C186A}" type="datetimeFigureOut">
               <a:rPr kumimoji="1" lang="ja-JP" altLang="en-US" smtClean="0"/>
-              <a:t>2018/12/18</a:t>
+              <a:t>2019/1/10</a:t>
             </a:fld>
             <a:endParaRPr kumimoji="1" lang="ja-JP" altLang="en-US"/>
           </a:p>
@@ -3158,7 +3158,7 @@
           <a:p>
             <a:fld id="{7B2C231C-A4B7-694E-AAA8-A398016C186A}" type="datetimeFigureOut">
               <a:rPr kumimoji="1" lang="ja-JP" altLang="en-US" smtClean="0"/>
-              <a:t>2018/12/18</a:t>
+              <a:t>2019/1/10</a:t>
             </a:fld>
             <a:endParaRPr kumimoji="1" lang="ja-JP" altLang="en-US"/>
           </a:p>
@@ -3577,10 +3577,10 @@
       </p:grpSpPr>
       <p:pic>
         <p:nvPicPr>
-          <p:cNvPr id="4" name="図 3">
-            <a:extLst>
-              <a:ext uri="{FF2B5EF4-FFF2-40B4-BE49-F238E27FC236}">
-                <a16:creationId xmlns:a16="http://schemas.microsoft.com/office/drawing/2014/main" id="{5945684C-94C6-4092-991F-9E92866D323D}"/>
+          <p:cNvPr id="3" name="図 2">
+            <a:extLst>
+              <a:ext uri="{FF2B5EF4-FFF2-40B4-BE49-F238E27FC236}">
+                <a16:creationId xmlns:a16="http://schemas.microsoft.com/office/drawing/2014/main" id="{1905DFA4-05AB-479A-BCF5-C90D3EEED2D7}"/>
               </a:ext>
             </a:extLst>
           </p:cNvPr>
